--- a/doc/比特币区块链/比特币与区块链原理.pptx
+++ b/doc/比特币区块链/比特币与区块链原理.pptx
@@ -13845,7 +13845,7 @@
                 <a:latin typeface="+mn-ea"/>
                 <a:sym typeface="+mn-ea"/>
               </a:rPr>
-              <a:t>只暴露钱包地址</a:t>
+              <a:t>只暴露钱包地址  无法获取真实用户信息</a:t>
             </a:r>
             <a:endParaRPr lang="zh-CN" altLang="en-US" sz="2250" dirty="0">
               <a:latin typeface="+mn-ea"/>
